--- a/WhatToDoInFrontBackAndDB_usability_performance_security/What to check where in full-stack.pptx
+++ b/WhatToDoInFrontBackAndDB_usability_performance_security/What to check where in full-stack.pptx
@@ -4952,8 +4952,21 @@
                   <a:schemeClr val="tx1"/>
                 </a:solidFill>
               </a:rPr>
-              <a:t>Checks of many kind. PKs, UNIQUEs, NOT NULLs, FKs, CHECK conditions, TRIGGERs</a:t>
-            </a:r>
+              <a:t>Checks of many kind. Basically still re-checking everything, although here usually pre-defined in the </a:t>
+            </a:r>
+            <a:r>
+              <a:rPr lang="en-US">
+                <a:solidFill>
+                  <a:schemeClr val="tx1"/>
+                </a:solidFill>
+              </a:rPr>
+              <a:t>DDL definitions.</a:t>
+            </a:r>
+            <a:endParaRPr lang="en-US" dirty="0">
+              <a:solidFill>
+                <a:schemeClr val="tx1"/>
+              </a:solidFill>
+            </a:endParaRPr>
           </a:p>
           <a:p>
             <a:pPr marL="285750" indent="-285750">
@@ -4966,7 +4979,7 @@
                   <a:schemeClr val="tx1"/>
                 </a:solidFill>
               </a:rPr>
-              <a:t>Logical checks that could not be checked fully without the whole data model</a:t>
+              <a:t>PKs, UNIQUEs, NOT NULLs, FKs, CHECK conditions, TRIGGERs</a:t>
             </a:r>
           </a:p>
           <a:p>
@@ -4980,7 +4993,21 @@
                   <a:schemeClr val="tx1"/>
                 </a:solidFill>
               </a:rPr>
-              <a:t>Object- and user-based (sometimes also role-based) authorization usually needs to be checked using database</a:t>
+              <a:t>Logical checks that could not be checked fully without the whole data model</a:t>
+            </a:r>
+          </a:p>
+          <a:p>
+            <a:pPr marL="285750" indent="-285750">
+              <a:buFont typeface="Arial" panose="020B0604020202020204" pitchFamily="34" charset="0"/>
+              <a:buChar char="•"/>
+            </a:pPr>
+            <a:r>
+              <a:rPr lang="en-US" dirty="0">
+                <a:solidFill>
+                  <a:schemeClr val="tx1"/>
+                </a:solidFill>
+              </a:rPr>
+              <a:t>Object- and user-based (sometimes also role-based) authorization usually needs to be checked (again) using database</a:t>
             </a:r>
           </a:p>
           <a:p>

--- a/WhatToDoInFrontBackAndDB_usability_performance_security/What to check where in full-stack.pptx
+++ b/WhatToDoInFrontBackAndDB_usability_performance_security/What to check where in full-stack.pptx
@@ -4000,7 +4000,27 @@
                   </a:schemeClr>
                 </a:solidFill>
               </a:rPr>
-              <a:t>Frontend – Internet – Backend</a:t>
+              <a:t>Frontend – </a:t>
+            </a:r>
+            <a:r>
+              <a:rPr lang="en-US" sz="3200" b="1" dirty="0">
+                <a:solidFill>
+                  <a:schemeClr val="bg1">
+                    <a:lumMod val="50000"/>
+                  </a:schemeClr>
+                </a:solidFill>
+              </a:rPr>
+              <a:t>Internet</a:t>
+            </a:r>
+            <a:r>
+              <a:rPr lang="en-US" sz="3200" dirty="0">
+                <a:solidFill>
+                  <a:schemeClr val="bg1">
+                    <a:lumMod val="50000"/>
+                  </a:schemeClr>
+                </a:solidFill>
+              </a:rPr>
+              <a:t> – Backend</a:t>
             </a:r>
           </a:p>
           <a:p>
@@ -4025,7 +4045,27 @@
                   </a:schemeClr>
                 </a:solidFill>
               </a:rPr>
-              <a:t>Protecting the data with encryption (HTTPS, certificates, …)</a:t>
+              <a:t>Protecting the data with encryption (</a:t>
+            </a:r>
+            <a:r>
+              <a:rPr lang="en-US" sz="3200" b="1" dirty="0">
+                <a:solidFill>
+                  <a:schemeClr val="bg1">
+                    <a:lumMod val="50000"/>
+                  </a:schemeClr>
+                </a:solidFill>
+              </a:rPr>
+              <a:t>HTTPS</a:t>
+            </a:r>
+            <a:r>
+              <a:rPr lang="en-US" sz="3200" dirty="0">
+                <a:solidFill>
+                  <a:schemeClr val="bg1">
+                    <a:lumMod val="50000"/>
+                  </a:schemeClr>
+                </a:solidFill>
+              </a:rPr>
+              <a:t>, certificates, …)</a:t>
             </a:r>
           </a:p>
           <a:p>
@@ -4041,7 +4081,27 @@
                   </a:schemeClr>
                 </a:solidFill>
               </a:rPr>
-              <a:t>Man in the middle? Session hijacks?</a:t>
+              <a:t>Man-in-the-middle? </a:t>
+            </a:r>
+            <a:r>
+              <a:rPr lang="en-US" sz="3200" dirty="0" err="1">
+                <a:solidFill>
+                  <a:schemeClr val="bg1">
+                    <a:lumMod val="50000"/>
+                  </a:schemeClr>
+                </a:solidFill>
+              </a:rPr>
+              <a:t>Wifi</a:t>
+            </a:r>
+            <a:r>
+              <a:rPr lang="en-US" sz="3200" dirty="0">
+                <a:solidFill>
+                  <a:schemeClr val="bg1">
+                    <a:lumMod val="50000"/>
+                  </a:schemeClr>
+                </a:solidFill>
+              </a:rPr>
+              <a:t> eavesdropping? Session hijacks?</a:t>
             </a:r>
           </a:p>
           <a:p>
@@ -4475,7 +4535,15 @@
                   <a:srgbClr val="FF0000"/>
                 </a:solidFill>
               </a:rPr>
-              <a:t>in the Backend services!</a:t>
+              <a:t>in the Backend services! Hide the database address </a:t>
+            </a:r>
+            <a:r>
+              <a:rPr lang="en-US">
+                <a:solidFill>
+                  <a:srgbClr val="FF0000"/>
+                </a:solidFill>
+              </a:rPr>
+              <a:t>and username(s)!</a:t>
             </a:r>
             <a:endParaRPr lang="en-US" dirty="0">
               <a:solidFill>
@@ -4617,7 +4685,27 @@
                   </a:schemeClr>
                 </a:solidFill>
               </a:rPr>
-              <a:t>Backend – Internet – Database (DBMS)</a:t>
+              <a:t>Backend – </a:t>
+            </a:r>
+            <a:r>
+              <a:rPr lang="en-US" sz="3200" b="1" dirty="0">
+                <a:solidFill>
+                  <a:schemeClr val="bg1">
+                    <a:lumMod val="50000"/>
+                  </a:schemeClr>
+                </a:solidFill>
+              </a:rPr>
+              <a:t>Internet</a:t>
+            </a:r>
+            <a:r>
+              <a:rPr lang="en-US" sz="3200" dirty="0">
+                <a:solidFill>
+                  <a:schemeClr val="bg1">
+                    <a:lumMod val="50000"/>
+                  </a:schemeClr>
+                </a:solidFill>
+              </a:rPr>
+              <a:t> – Database (DBMS)</a:t>
             </a:r>
           </a:p>
           <a:p>
@@ -4658,7 +4746,23 @@
                   </a:schemeClr>
                 </a:solidFill>
               </a:rPr>
-              <a:t>Man in the middle? Session hijacks?</a:t>
+              <a:t>Man-in-the-middle? </a:t>
+            </a:r>
+          </a:p>
+          <a:p>
+            <a:pPr marL="285750" indent="-285750">
+              <a:buFont typeface="Arial" panose="020B0604020202020204" pitchFamily="34" charset="0"/>
+              <a:buChar char="•"/>
+            </a:pPr>
+            <a:r>
+              <a:rPr lang="en-US" sz="3200" dirty="0">
+                <a:solidFill>
+                  <a:schemeClr val="bg1">
+                    <a:lumMod val="50000"/>
+                  </a:schemeClr>
+                </a:solidFill>
+              </a:rPr>
+              <a:t>By-passing backend and attacking database directly?</a:t>
             </a:r>
           </a:p>
           <a:p>

--- a/WhatToDoInFrontBackAndDB_usability_performance_security/What to check where in full-stack.pptx
+++ b/WhatToDoInFrontBackAndDB_usability_performance_security/What to check where in full-stack.pptx
@@ -3823,7 +3823,23 @@
                   <a:schemeClr val="tx1"/>
                 </a:solidFill>
               </a:rPr>
-              <a:t>Security credentials/tokens etc. sent to Backend (implementing the Frontend part of security checking)</a:t>
+              <a:t>Security credentials/tokens etc. sent to Backend (implementing the Frontend part </a:t>
+            </a:r>
+            <a:r>
+              <a:rPr lang="en-US" u="sng" dirty="0">
+                <a:solidFill>
+                  <a:schemeClr val="tx1"/>
+                </a:solidFill>
+              </a:rPr>
+              <a:t>for</a:t>
+            </a:r>
+            <a:r>
+              <a:rPr lang="en-US" dirty="0">
+                <a:solidFill>
+                  <a:schemeClr val="tx1"/>
+                </a:solidFill>
+              </a:rPr>
+              <a:t> security checking)</a:t>
             </a:r>
           </a:p>
           <a:p>

--- a/WhatToDoInFrontBackAndDB_usability_performance_security/What to check where in full-stack.pptx
+++ b/WhatToDoInFrontBackAndDB_usability_performance_security/What to check where in full-stack.pptx
@@ -267,7 +267,7 @@
           <a:p>
             <a:fld id="{96965028-2F9E-4787-8FE0-280D7A46F03C}" type="datetimeFigureOut">
               <a:rPr lang="fi-FI" smtClean="0"/>
-              <a:t>1.10.2019</a:t>
+              <a:t>21.10.2019</a:t>
             </a:fld>
             <a:endParaRPr lang="fi-FI"/>
           </a:p>
@@ -467,7 +467,7 @@
           <a:p>
             <a:fld id="{96965028-2F9E-4787-8FE0-280D7A46F03C}" type="datetimeFigureOut">
               <a:rPr lang="fi-FI" smtClean="0"/>
-              <a:t>1.10.2019</a:t>
+              <a:t>21.10.2019</a:t>
             </a:fld>
             <a:endParaRPr lang="fi-FI"/>
           </a:p>
@@ -677,7 +677,7 @@
           <a:p>
             <a:fld id="{96965028-2F9E-4787-8FE0-280D7A46F03C}" type="datetimeFigureOut">
               <a:rPr lang="fi-FI" smtClean="0"/>
-              <a:t>1.10.2019</a:t>
+              <a:t>21.10.2019</a:t>
             </a:fld>
             <a:endParaRPr lang="fi-FI"/>
           </a:p>
@@ -877,7 +877,7 @@
           <a:p>
             <a:fld id="{96965028-2F9E-4787-8FE0-280D7A46F03C}" type="datetimeFigureOut">
               <a:rPr lang="fi-FI" smtClean="0"/>
-              <a:t>1.10.2019</a:t>
+              <a:t>21.10.2019</a:t>
             </a:fld>
             <a:endParaRPr lang="fi-FI"/>
           </a:p>
@@ -1153,7 +1153,7 @@
           <a:p>
             <a:fld id="{96965028-2F9E-4787-8FE0-280D7A46F03C}" type="datetimeFigureOut">
               <a:rPr lang="fi-FI" smtClean="0"/>
-              <a:t>1.10.2019</a:t>
+              <a:t>21.10.2019</a:t>
             </a:fld>
             <a:endParaRPr lang="fi-FI"/>
           </a:p>
@@ -1421,7 +1421,7 @@
           <a:p>
             <a:fld id="{96965028-2F9E-4787-8FE0-280D7A46F03C}" type="datetimeFigureOut">
               <a:rPr lang="fi-FI" smtClean="0"/>
-              <a:t>1.10.2019</a:t>
+              <a:t>21.10.2019</a:t>
             </a:fld>
             <a:endParaRPr lang="fi-FI"/>
           </a:p>
@@ -1836,7 +1836,7 @@
           <a:p>
             <a:fld id="{96965028-2F9E-4787-8FE0-280D7A46F03C}" type="datetimeFigureOut">
               <a:rPr lang="fi-FI" smtClean="0"/>
-              <a:t>1.10.2019</a:t>
+              <a:t>21.10.2019</a:t>
             </a:fld>
             <a:endParaRPr lang="fi-FI"/>
           </a:p>
@@ -1978,7 +1978,7 @@
           <a:p>
             <a:fld id="{96965028-2F9E-4787-8FE0-280D7A46F03C}" type="datetimeFigureOut">
               <a:rPr lang="fi-FI" smtClean="0"/>
-              <a:t>1.10.2019</a:t>
+              <a:t>21.10.2019</a:t>
             </a:fld>
             <a:endParaRPr lang="fi-FI"/>
           </a:p>
@@ -2091,7 +2091,7 @@
           <a:p>
             <a:fld id="{96965028-2F9E-4787-8FE0-280D7A46F03C}" type="datetimeFigureOut">
               <a:rPr lang="fi-FI" smtClean="0"/>
-              <a:t>1.10.2019</a:t>
+              <a:t>21.10.2019</a:t>
             </a:fld>
             <a:endParaRPr lang="fi-FI"/>
           </a:p>
@@ -2404,7 +2404,7 @@
           <a:p>
             <a:fld id="{96965028-2F9E-4787-8FE0-280D7A46F03C}" type="datetimeFigureOut">
               <a:rPr lang="fi-FI" smtClean="0"/>
-              <a:t>1.10.2019</a:t>
+              <a:t>21.10.2019</a:t>
             </a:fld>
             <a:endParaRPr lang="fi-FI"/>
           </a:p>
@@ -2693,7 +2693,7 @@
           <a:p>
             <a:fld id="{96965028-2F9E-4787-8FE0-280D7A46F03C}" type="datetimeFigureOut">
               <a:rPr lang="fi-FI" smtClean="0"/>
-              <a:t>1.10.2019</a:t>
+              <a:t>21.10.2019</a:t>
             </a:fld>
             <a:endParaRPr lang="fi-FI"/>
           </a:p>
@@ -2936,7 +2936,7 @@
           <a:p>
             <a:fld id="{96965028-2F9E-4787-8FE0-280D7A46F03C}" type="datetimeFigureOut">
               <a:rPr lang="fi-FI" smtClean="0"/>
-              <a:t>1.10.2019</a:t>
+              <a:t>21.10.2019</a:t>
             </a:fld>
             <a:endParaRPr lang="fi-FI"/>
           </a:p>
@@ -4304,7 +4304,37 @@
                   <a:schemeClr val="tx1"/>
                 </a:solidFill>
               </a:rPr>
-              <a:t>in case of Full-stack</a:t>
+              <a:t>in case of Full-stack   </a:t>
+            </a:r>
+            <a:r>
+              <a:rPr lang="en-US" dirty="0">
+                <a:solidFill>
+                  <a:schemeClr val="bg1">
+                    <a:lumMod val="50000"/>
+                  </a:schemeClr>
+                </a:solidFill>
+              </a:rPr>
+              <a:t>((((( or </a:t>
+            </a:r>
+            <a:r>
+              <a:rPr lang="en-US" dirty="0" err="1">
+                <a:solidFill>
+                  <a:schemeClr val="bg1">
+                    <a:lumMod val="50000"/>
+                  </a:schemeClr>
+                </a:solidFill>
+              </a:rPr>
+              <a:t>GraphQL</a:t>
+            </a:r>
+            <a:r>
+              <a:rPr lang="en-US" dirty="0">
+                <a:solidFill>
+                  <a:schemeClr val="bg1">
+                    <a:lumMod val="50000"/>
+                  </a:schemeClr>
+                </a:solidFill>
+              </a:rPr>
+              <a:t> backend )))))</a:t>
             </a:r>
           </a:p>
           <a:p>
@@ -4348,7 +4378,7 @@
                   <a:schemeClr val="tx1"/>
                 </a:solidFill>
               </a:rPr>
-              <a:t>as in with databases</a:t>
+              <a:t>as in with database servers</a:t>
             </a:r>
           </a:p>
           <a:p>
@@ -4362,7 +4392,23 @@
                   <a:schemeClr val="tx1"/>
                 </a:solidFill>
               </a:rPr>
-              <a:t>Though often we only have one instance of backend (then could be performance bottleneck)</a:t>
+              <a:t>Though often/mostly we only have one instance of the backend (</a:t>
+            </a:r>
+            <a:r>
+              <a:rPr lang="en-US">
+                <a:solidFill>
+                  <a:schemeClr val="tx1"/>
+                </a:solidFill>
+              </a:rPr>
+              <a:t>then would </a:t>
+            </a:r>
+            <a:r>
+              <a:rPr lang="en-US" dirty="0">
+                <a:solidFill>
+                  <a:schemeClr val="tx1"/>
+                </a:solidFill>
+              </a:rPr>
+              <a:t>be performance bottleneck)</a:t>
             </a:r>
           </a:p>
           <a:p>
@@ -4551,15 +4597,7 @@
                   <a:srgbClr val="FF0000"/>
                 </a:solidFill>
               </a:rPr>
-              <a:t>in the Backend services! Hide the database address </a:t>
-            </a:r>
-            <a:r>
-              <a:rPr lang="en-US">
-                <a:solidFill>
-                  <a:srgbClr val="FF0000"/>
-                </a:solidFill>
-              </a:rPr>
-              <a:t>and username(s)!</a:t>
+              <a:t>in the Backend services! Hide the database address and username(s)!</a:t>
             </a:r>
             <a:endParaRPr lang="en-US" dirty="0">
               <a:solidFill>

--- a/WhatToDoInFrontBackAndDB_usability_performance_security/What to check where in full-stack.pptx
+++ b/WhatToDoInFrontBackAndDB_usability_performance_security/What to check where in full-stack.pptx
@@ -267,7 +267,7 @@
           <a:p>
             <a:fld id="{96965028-2F9E-4787-8FE0-280D7A46F03C}" type="datetimeFigureOut">
               <a:rPr lang="fi-FI" smtClean="0"/>
-              <a:t>21.10.2019</a:t>
+              <a:t>16.11.2020</a:t>
             </a:fld>
             <a:endParaRPr lang="fi-FI"/>
           </a:p>
@@ -467,7 +467,7 @@
           <a:p>
             <a:fld id="{96965028-2F9E-4787-8FE0-280D7A46F03C}" type="datetimeFigureOut">
               <a:rPr lang="fi-FI" smtClean="0"/>
-              <a:t>21.10.2019</a:t>
+              <a:t>16.11.2020</a:t>
             </a:fld>
             <a:endParaRPr lang="fi-FI"/>
           </a:p>
@@ -677,7 +677,7 @@
           <a:p>
             <a:fld id="{96965028-2F9E-4787-8FE0-280D7A46F03C}" type="datetimeFigureOut">
               <a:rPr lang="fi-FI" smtClean="0"/>
-              <a:t>21.10.2019</a:t>
+              <a:t>16.11.2020</a:t>
             </a:fld>
             <a:endParaRPr lang="fi-FI"/>
           </a:p>
@@ -877,7 +877,7 @@
           <a:p>
             <a:fld id="{96965028-2F9E-4787-8FE0-280D7A46F03C}" type="datetimeFigureOut">
               <a:rPr lang="fi-FI" smtClean="0"/>
-              <a:t>21.10.2019</a:t>
+              <a:t>16.11.2020</a:t>
             </a:fld>
             <a:endParaRPr lang="fi-FI"/>
           </a:p>
@@ -1153,7 +1153,7 @@
           <a:p>
             <a:fld id="{96965028-2F9E-4787-8FE0-280D7A46F03C}" type="datetimeFigureOut">
               <a:rPr lang="fi-FI" smtClean="0"/>
-              <a:t>21.10.2019</a:t>
+              <a:t>16.11.2020</a:t>
             </a:fld>
             <a:endParaRPr lang="fi-FI"/>
           </a:p>
@@ -1421,7 +1421,7 @@
           <a:p>
             <a:fld id="{96965028-2F9E-4787-8FE0-280D7A46F03C}" type="datetimeFigureOut">
               <a:rPr lang="fi-FI" smtClean="0"/>
-              <a:t>21.10.2019</a:t>
+              <a:t>16.11.2020</a:t>
             </a:fld>
             <a:endParaRPr lang="fi-FI"/>
           </a:p>
@@ -1836,7 +1836,7 @@
           <a:p>
             <a:fld id="{96965028-2F9E-4787-8FE0-280D7A46F03C}" type="datetimeFigureOut">
               <a:rPr lang="fi-FI" smtClean="0"/>
-              <a:t>21.10.2019</a:t>
+              <a:t>16.11.2020</a:t>
             </a:fld>
             <a:endParaRPr lang="fi-FI"/>
           </a:p>
@@ -1978,7 +1978,7 @@
           <a:p>
             <a:fld id="{96965028-2F9E-4787-8FE0-280D7A46F03C}" type="datetimeFigureOut">
               <a:rPr lang="fi-FI" smtClean="0"/>
-              <a:t>21.10.2019</a:t>
+              <a:t>16.11.2020</a:t>
             </a:fld>
             <a:endParaRPr lang="fi-FI"/>
           </a:p>
@@ -2091,7 +2091,7 @@
           <a:p>
             <a:fld id="{96965028-2F9E-4787-8FE0-280D7A46F03C}" type="datetimeFigureOut">
               <a:rPr lang="fi-FI" smtClean="0"/>
-              <a:t>21.10.2019</a:t>
+              <a:t>16.11.2020</a:t>
             </a:fld>
             <a:endParaRPr lang="fi-FI"/>
           </a:p>
@@ -2404,7 +2404,7 @@
           <a:p>
             <a:fld id="{96965028-2F9E-4787-8FE0-280D7A46F03C}" type="datetimeFigureOut">
               <a:rPr lang="fi-FI" smtClean="0"/>
-              <a:t>21.10.2019</a:t>
+              <a:t>16.11.2020</a:t>
             </a:fld>
             <a:endParaRPr lang="fi-FI"/>
           </a:p>
@@ -2693,7 +2693,7 @@
           <a:p>
             <a:fld id="{96965028-2F9E-4787-8FE0-280D7A46F03C}" type="datetimeFigureOut">
               <a:rPr lang="fi-FI" smtClean="0"/>
-              <a:t>21.10.2019</a:t>
+              <a:t>16.11.2020</a:t>
             </a:fld>
             <a:endParaRPr lang="fi-FI"/>
           </a:p>
@@ -2936,7 +2936,7 @@
           <a:p>
             <a:fld id="{96965028-2F9E-4787-8FE0-280D7A46F03C}" type="datetimeFigureOut">
               <a:rPr lang="fi-FI" smtClean="0"/>
-              <a:t>21.10.2019</a:t>
+              <a:t>16.11.2020</a:t>
             </a:fld>
             <a:endParaRPr lang="fi-FI"/>
           </a:p>
@@ -3839,7 +3839,23 @@
                   <a:schemeClr val="tx1"/>
                 </a:solidFill>
               </a:rPr>
-              <a:t> security checking)</a:t>
+              <a:t> security </a:t>
+            </a:r>
+            <a:r>
+              <a:rPr lang="en-US">
+                <a:solidFill>
+                  <a:schemeClr val="tx1"/>
+                </a:solidFill>
+              </a:rPr>
+              <a:t>checking done by </a:t>
+            </a:r>
+            <a:r>
+              <a:rPr lang="en-US" dirty="0">
+                <a:solidFill>
+                  <a:schemeClr val="tx1"/>
+                </a:solidFill>
+              </a:rPr>
+              <a:t>Backend)</a:t>
             </a:r>
           </a:p>
           <a:p>
@@ -3860,7 +3876,7 @@
                   <a:srgbClr val="FF0000"/>
                 </a:solidFill>
               </a:rPr>
-              <a:t>Request forging might by-pass our Frontend checks totally!!! </a:t>
+              <a:t>Request forging might by-pass our Frontend checks totally!!! (Or somebody writes new/changed Frontend without checks)</a:t>
             </a:r>
           </a:p>
           <a:p>
@@ -4392,23 +4408,7 @@
                   <a:schemeClr val="tx1"/>
                 </a:solidFill>
               </a:rPr>
-              <a:t>Though often/mostly we only have one instance of the backend (</a:t>
-            </a:r>
-            <a:r>
-              <a:rPr lang="en-US">
-                <a:solidFill>
-                  <a:schemeClr val="tx1"/>
-                </a:solidFill>
-              </a:rPr>
-              <a:t>then would </a:t>
-            </a:r>
-            <a:r>
-              <a:rPr lang="en-US" dirty="0">
-                <a:solidFill>
-                  <a:schemeClr val="tx1"/>
-                </a:solidFill>
-              </a:rPr>
-              <a:t>be performance bottleneck)</a:t>
+              <a:t>Though often/mostly we only have one instance of the backend (then would be performance bottleneck)</a:t>
             </a:r>
           </a:p>
           <a:p>
@@ -4581,7 +4581,7 @@
                   <a:srgbClr val="FF0000"/>
                 </a:solidFill>
               </a:rPr>
-              <a:t>Protect Database by checking </a:t>
+              <a:t>Help Database by checking </a:t>
             </a:r>
             <a:r>
               <a:rPr lang="en-US" b="1" dirty="0">

--- a/WhatToDoInFrontBackAndDB_usability_performance_security/What to check where in full-stack.pptx
+++ b/WhatToDoInFrontBackAndDB_usability_performance_security/What to check where in full-stack.pptx
@@ -267,7 +267,7 @@
           <a:p>
             <a:fld id="{96965028-2F9E-4787-8FE0-280D7A46F03C}" type="datetimeFigureOut">
               <a:rPr lang="fi-FI" smtClean="0"/>
-              <a:t>16.11.2020</a:t>
+              <a:t>18.3.2021</a:t>
             </a:fld>
             <a:endParaRPr lang="fi-FI"/>
           </a:p>
@@ -467,7 +467,7 @@
           <a:p>
             <a:fld id="{96965028-2F9E-4787-8FE0-280D7A46F03C}" type="datetimeFigureOut">
               <a:rPr lang="fi-FI" smtClean="0"/>
-              <a:t>16.11.2020</a:t>
+              <a:t>18.3.2021</a:t>
             </a:fld>
             <a:endParaRPr lang="fi-FI"/>
           </a:p>
@@ -677,7 +677,7 @@
           <a:p>
             <a:fld id="{96965028-2F9E-4787-8FE0-280D7A46F03C}" type="datetimeFigureOut">
               <a:rPr lang="fi-FI" smtClean="0"/>
-              <a:t>16.11.2020</a:t>
+              <a:t>18.3.2021</a:t>
             </a:fld>
             <a:endParaRPr lang="fi-FI"/>
           </a:p>
@@ -877,7 +877,7 @@
           <a:p>
             <a:fld id="{96965028-2F9E-4787-8FE0-280D7A46F03C}" type="datetimeFigureOut">
               <a:rPr lang="fi-FI" smtClean="0"/>
-              <a:t>16.11.2020</a:t>
+              <a:t>18.3.2021</a:t>
             </a:fld>
             <a:endParaRPr lang="fi-FI"/>
           </a:p>
@@ -1153,7 +1153,7 @@
           <a:p>
             <a:fld id="{96965028-2F9E-4787-8FE0-280D7A46F03C}" type="datetimeFigureOut">
               <a:rPr lang="fi-FI" smtClean="0"/>
-              <a:t>16.11.2020</a:t>
+              <a:t>18.3.2021</a:t>
             </a:fld>
             <a:endParaRPr lang="fi-FI"/>
           </a:p>
@@ -1421,7 +1421,7 @@
           <a:p>
             <a:fld id="{96965028-2F9E-4787-8FE0-280D7A46F03C}" type="datetimeFigureOut">
               <a:rPr lang="fi-FI" smtClean="0"/>
-              <a:t>16.11.2020</a:t>
+              <a:t>18.3.2021</a:t>
             </a:fld>
             <a:endParaRPr lang="fi-FI"/>
           </a:p>
@@ -1836,7 +1836,7 @@
           <a:p>
             <a:fld id="{96965028-2F9E-4787-8FE0-280D7A46F03C}" type="datetimeFigureOut">
               <a:rPr lang="fi-FI" smtClean="0"/>
-              <a:t>16.11.2020</a:t>
+              <a:t>18.3.2021</a:t>
             </a:fld>
             <a:endParaRPr lang="fi-FI"/>
           </a:p>
@@ -1978,7 +1978,7 @@
           <a:p>
             <a:fld id="{96965028-2F9E-4787-8FE0-280D7A46F03C}" type="datetimeFigureOut">
               <a:rPr lang="fi-FI" smtClean="0"/>
-              <a:t>16.11.2020</a:t>
+              <a:t>18.3.2021</a:t>
             </a:fld>
             <a:endParaRPr lang="fi-FI"/>
           </a:p>
@@ -2091,7 +2091,7 @@
           <a:p>
             <a:fld id="{96965028-2F9E-4787-8FE0-280D7A46F03C}" type="datetimeFigureOut">
               <a:rPr lang="fi-FI" smtClean="0"/>
-              <a:t>16.11.2020</a:t>
+              <a:t>18.3.2021</a:t>
             </a:fld>
             <a:endParaRPr lang="fi-FI"/>
           </a:p>
@@ -2404,7 +2404,7 @@
           <a:p>
             <a:fld id="{96965028-2F9E-4787-8FE0-280D7A46F03C}" type="datetimeFigureOut">
               <a:rPr lang="fi-FI" smtClean="0"/>
-              <a:t>16.11.2020</a:t>
+              <a:t>18.3.2021</a:t>
             </a:fld>
             <a:endParaRPr lang="fi-FI"/>
           </a:p>
@@ -2693,7 +2693,7 @@
           <a:p>
             <a:fld id="{96965028-2F9E-4787-8FE0-280D7A46F03C}" type="datetimeFigureOut">
               <a:rPr lang="fi-FI" smtClean="0"/>
-              <a:t>16.11.2020</a:t>
+              <a:t>18.3.2021</a:t>
             </a:fld>
             <a:endParaRPr lang="fi-FI"/>
           </a:p>
@@ -2936,7 +2936,7 @@
           <a:p>
             <a:fld id="{96965028-2F9E-4787-8FE0-280D7A46F03C}" type="datetimeFigureOut">
               <a:rPr lang="fi-FI" smtClean="0"/>
-              <a:t>16.11.2020</a:t>
+              <a:t>18.3.2021</a:t>
             </a:fld>
             <a:endParaRPr lang="fi-FI"/>
           </a:p>
@@ -3398,14 +3398,24 @@
             <p:ph type="subTitle" idx="1"/>
           </p:nvPr>
         </p:nvSpPr>
-        <p:spPr/>
-        <p:txBody>
-          <a:bodyPr/>
-          <a:lstStyle/>
-          <a:p>
+        <p:spPr>
+          <a:xfrm>
+            <a:off x="1524000" y="3602037"/>
+            <a:ext cx="9144000" cy="3035111"/>
+          </a:xfrm>
+        </p:spPr>
+        <p:txBody>
+          <a:bodyPr>
+            <a:normAutofit/>
+          </a:bodyPr>
+          <a:lstStyle/>
+          <a:p>
+            <a:pPr marL="457200" indent="-457200">
+              <a:buAutoNum type="arabicPeriod"/>
+            </a:pPr>
             <a:r>
               <a:rPr lang="en-US" dirty="0"/>
-              <a:t>1. Frontend 2. Backend 3. Database (DBMS)</a:t>
+              <a:t>Frontend 2. Backend 3. Database (DBMS)</a:t>
             </a:r>
             <a:br>
               <a:rPr lang="en-US" dirty="0"/>
@@ -3417,6 +3427,24 @@
               <a:rPr lang="en-US" dirty="0"/>
               <a:t>Usability – Performance – Security</a:t>
             </a:r>
+          </a:p>
+          <a:p>
+            <a:pPr marL="457200" indent="-457200">
+              <a:buAutoNum type="arabicPeriod"/>
+            </a:pPr>
+            <a:endParaRPr lang="en-US" dirty="0"/>
+          </a:p>
+          <a:p>
+            <a:pPr marL="457200" indent="-457200">
+              <a:buAutoNum type="arabicPeriod"/>
+            </a:pPr>
+            <a:endParaRPr lang="en-US" dirty="0"/>
+          </a:p>
+          <a:p>
+            <a:r>
+              <a:rPr lang="en-US" dirty="0"/>
+              <a:t>Version 2021-03-18</a:t>
+            </a:r>
             <a:endParaRPr lang="fi-FI" dirty="0"/>
           </a:p>
         </p:txBody>
@@ -3436,7 +3464,7 @@
         <p:spPr>
           <a:xfrm>
             <a:off x="9471851" y="6183869"/>
-            <a:ext cx="2340705" cy="369332"/>
+            <a:ext cx="2411238" cy="369332"/>
           </a:xfrm>
           <a:prstGeom prst="rect">
             <a:avLst/>
@@ -3597,7 +3625,23 @@
                   <a:schemeClr val="tx1"/>
                 </a:solidFill>
               </a:rPr>
-              <a:t>().</a:t>
+              <a:t>(There are also some </a:t>
+            </a:r>
+            <a:r>
+              <a:rPr lang="en-US" dirty="0" err="1">
+                <a:solidFill>
+                  <a:schemeClr val="tx1"/>
+                </a:solidFill>
+              </a:rPr>
+              <a:t>html+js</a:t>
+            </a:r>
+            <a:r>
+              <a:rPr lang="en-US" dirty="0">
+                <a:solidFill>
+                  <a:schemeClr val="tx1"/>
+                </a:solidFill>
+              </a:rPr>
+              <a:t> =&gt; compiled to native).</a:t>
             </a:r>
           </a:p>
           <a:p>
@@ -3633,7 +3677,7 @@
                   <a:schemeClr val="tx1"/>
                 </a:solidFill>
               </a:rPr>
-              <a:t>Of course with bad programming it’s always possible to ruin performance</a:t>
+              <a:t>Of course with bad programming it’s always possible to ruin the performance</a:t>
             </a:r>
           </a:p>
           <a:p>
@@ -3705,7 +3749,7 @@
                   <a:schemeClr val="tx1"/>
                 </a:solidFill>
               </a:rPr>
-              <a:t>(Frontend device might be off the network too)</a:t>
+              <a:t>(Frontend device might be off the network too. On train, in tunnel, out of battery)</a:t>
             </a:r>
           </a:p>
           <a:p>
@@ -3751,7 +3795,7 @@
                   <a:schemeClr val="tx1"/>
                 </a:solidFill>
               </a:rPr>
-              <a:t>Input validation (e.g. illegal characters, number and date formats, min-max) (USABILITY AND PERFORMANCE)</a:t>
+              <a:t>Input validation (e.g. wrong characters, number and date formats, min-max) (USABILITY AND PERFORMANCE)</a:t>
             </a:r>
           </a:p>
           <a:p>
@@ -3839,23 +3883,7 @@
                   <a:schemeClr val="tx1"/>
                 </a:solidFill>
               </a:rPr>
-              <a:t> security </a:t>
-            </a:r>
-            <a:r>
-              <a:rPr lang="en-US">
-                <a:solidFill>
-                  <a:schemeClr val="tx1"/>
-                </a:solidFill>
-              </a:rPr>
-              <a:t>checking done by </a:t>
-            </a:r>
-            <a:r>
-              <a:rPr lang="en-US" dirty="0">
-                <a:solidFill>
-                  <a:schemeClr val="tx1"/>
-                </a:solidFill>
-              </a:rPr>
-              <a:t>Backend)</a:t>
+              <a:t> security checking done by Backend)</a:t>
             </a:r>
           </a:p>
           <a:p>
@@ -4330,27 +4358,7 @@
                   </a:schemeClr>
                 </a:solidFill>
               </a:rPr>
-              <a:t>((((( or </a:t>
-            </a:r>
-            <a:r>
-              <a:rPr lang="en-US" dirty="0" err="1">
-                <a:solidFill>
-                  <a:schemeClr val="bg1">
-                    <a:lumMod val="50000"/>
-                  </a:schemeClr>
-                </a:solidFill>
-              </a:rPr>
-              <a:t>GraphQL</a:t>
-            </a:r>
-            <a:r>
-              <a:rPr lang="en-US" dirty="0">
-                <a:solidFill>
-                  <a:schemeClr val="bg1">
-                    <a:lumMod val="50000"/>
-                  </a:schemeClr>
-                </a:solidFill>
-              </a:rPr>
-              <a:t> backend )))))</a:t>
+              <a:t>((((( or e.g. GraphQL backend )))))</a:t>
             </a:r>
           </a:p>
           <a:p>
@@ -4519,12 +4527,36 @@
               <a:buChar char="•"/>
             </a:pPr>
             <a:r>
+              <a:rPr lang="en-US" b="1" dirty="0">
+                <a:solidFill>
+                  <a:schemeClr val="tx1"/>
+                </a:solidFill>
+              </a:rPr>
+              <a:t>Informative option</a:t>
+            </a:r>
+            <a:r>
               <a:rPr lang="en-US" dirty="0">
                 <a:solidFill>
                   <a:schemeClr val="tx1"/>
                 </a:solidFill>
               </a:rPr>
-              <a:t>Informative option: all info about why failed: e.g. 441 - “Field ‘name’ is missing”. Maybe good in development phase</a:t>
+              <a:t>: all info about why failed: e.g. 441 - “Field ‘name’ is missing”. Maybe good in </a:t>
+            </a:r>
+            <a:r>
+              <a:rPr lang="en-US" b="1" dirty="0">
+                <a:solidFill>
+                  <a:schemeClr val="tx1"/>
+                </a:solidFill>
+              </a:rPr>
+              <a:t>development phase</a:t>
+            </a:r>
+            <a:r>
+              <a:rPr lang="en-US" dirty="0">
+                <a:solidFill>
+                  <a:schemeClr val="tx1"/>
+                </a:solidFill>
+              </a:rPr>
+              <a:t>.</a:t>
             </a:r>
           </a:p>
           <a:p>
@@ -4533,12 +4565,36 @@
               <a:buChar char="•"/>
             </a:pPr>
             <a:r>
+              <a:rPr lang="en-US" b="1" dirty="0">
+                <a:solidFill>
+                  <a:schemeClr val="tx1"/>
+                </a:solidFill>
+              </a:rPr>
+              <a:t>Secure option</a:t>
+            </a:r>
+            <a:r>
               <a:rPr lang="en-US" dirty="0">
                 <a:solidFill>
                   <a:schemeClr val="tx1"/>
                 </a:solidFill>
               </a:rPr>
-              <a:t>Secure option: just “200=ok” or “400=prob” without revealing any internal structures. And for unauthorized or broken requests just: DROP, which means stop handling the request, no response to the client. Good when testing over and deployment to the Internet has happened.</a:t>
+              <a:t>: just “200=ok” or “400=prob” without revealing any internal structures. And for unauthorized or broken requests just: DROP, which means stop handling the request, no response to the client. Good when testing with fake data over and </a:t>
+            </a:r>
+            <a:r>
+              <a:rPr lang="en-US" b="1" dirty="0">
+                <a:solidFill>
+                  <a:schemeClr val="tx1"/>
+                </a:solidFill>
+              </a:rPr>
+              <a:t>deploying to the “production”</a:t>
+            </a:r>
+            <a:r>
+              <a:rPr lang="en-US" dirty="0">
+                <a:solidFill>
+                  <a:schemeClr val="tx1"/>
+                </a:solidFill>
+              </a:rPr>
+              <a:t>, real running product in Internet.</a:t>
             </a:r>
           </a:p>
           <a:p>
@@ -5393,6 +5449,7 @@
           <a:bodyPr rtlCol="0" anchor="ctr"/>
           <a:lstStyle/>
           <a:p>
+            <a:pPr algn="ctr"/>
             <a:r>
               <a:rPr lang="en-US" sz="4800" dirty="0">
                 <a:solidFill>
@@ -5405,6 +5462,7 @@
             </a:r>
           </a:p>
           <a:p>
+            <a:pPr algn="ctr"/>
             <a:endParaRPr lang="en-US" sz="3200" dirty="0">
               <a:solidFill>
                 <a:schemeClr val="bg1">
@@ -5414,6 +5472,7 @@
             </a:endParaRPr>
           </a:p>
           <a:p>
+            <a:pPr algn="ctr"/>
             <a:r>
               <a:rPr lang="en-US" sz="3200" dirty="0">
                 <a:solidFill>
@@ -5422,19 +5481,8 @@
                   </a:schemeClr>
                 </a:solidFill>
               </a:rPr>
-              <a:t>English language evolves in phases. Officially we might be on the second phase, front-end.</a:t>
-            </a:r>
-          </a:p>
-          <a:p>
-            <a:endParaRPr lang="en-US" sz="3200" dirty="0">
-              <a:solidFill>
-                <a:schemeClr val="bg1">
-                  <a:lumMod val="65000"/>
-                </a:schemeClr>
-              </a:solidFill>
-            </a:endParaRPr>
-          </a:p>
-          <a:p>
+              <a:t>Bear with me. At least I stick to one of those three </a:t>
+            </a:r>
             <a:r>
               <a:rPr lang="en-US" sz="3200" dirty="0">
                 <a:solidFill>
@@ -5442,22 +5490,13 @@
                     <a:lumMod val="65000"/>
                   </a:schemeClr>
                 </a:solidFill>
-              </a:rPr>
-              <a:t>But I am lazy to change in 2025 so I sometimes write frontend </a:t>
-            </a:r>
-            <a:r>
-              <a:rPr lang="en-US" sz="3200" dirty="0">
-                <a:solidFill>
-                  <a:schemeClr val="bg1">
-                    <a:lumMod val="65000"/>
-                  </a:schemeClr>
-                </a:solidFill>
                 <a:sym typeface="Wingdings" panose="05000000000000000000" pitchFamily="2" charset="2"/>
               </a:rPr>
               <a:t> </a:t>
             </a:r>
           </a:p>
           <a:p>
+            <a:pPr algn="ctr"/>
             <a:endParaRPr lang="en-US" sz="3200" dirty="0">
               <a:solidFill>
                 <a:schemeClr val="bg1">
@@ -5468,6 +5507,7 @@
             </a:endParaRPr>
           </a:p>
           <a:p>
+            <a:pPr algn="ctr"/>
             <a:r>
               <a:rPr lang="en-US" sz="3200" dirty="0">
                 <a:solidFill>
@@ -5477,21 +5517,76 @@
                 </a:solidFill>
                 <a:sym typeface="Wingdings" panose="05000000000000000000" pitchFamily="2" charset="2"/>
               </a:rPr>
-              <a:t>No, actually in some technical names frontend is just better.</a:t>
-            </a:r>
-            <a:endParaRPr lang="en-US" dirty="0">
+              <a:t>Adjective at least should be like this:</a:t>
+            </a:r>
+            <a:br>
+              <a:rPr lang="en-US" sz="3200" dirty="0">
+                <a:solidFill>
+                  <a:schemeClr val="bg1">
+                    <a:lumMod val="65000"/>
+                  </a:schemeClr>
+                </a:solidFill>
+                <a:sym typeface="Wingdings" panose="05000000000000000000" pitchFamily="2" charset="2"/>
+              </a:rPr>
+            </a:br>
+            <a:r>
+              <a:rPr lang="en-US" sz="3200" dirty="0">
+                <a:solidFill>
+                  <a:schemeClr val="bg1">
+                    <a:lumMod val="65000"/>
+                  </a:schemeClr>
+                </a:solidFill>
+                <a:sym typeface="Wingdings" panose="05000000000000000000" pitchFamily="2" charset="2"/>
+              </a:rPr>
+              <a:t>While talking about front</a:t>
+            </a:r>
+            <a:r>
+              <a:rPr lang="en-US" sz="3200" b="1" dirty="0">
+                <a:solidFill>
+                  <a:schemeClr val="bg1">
+                    <a:lumMod val="65000"/>
+                  </a:schemeClr>
+                </a:solidFill>
+                <a:sym typeface="Wingdings" panose="05000000000000000000" pitchFamily="2" charset="2"/>
+              </a:rPr>
+              <a:t>-</a:t>
+            </a:r>
+            <a:r>
+              <a:rPr lang="en-US" sz="3200" dirty="0">
+                <a:solidFill>
+                  <a:schemeClr val="bg1">
+                    <a:lumMod val="65000"/>
+                  </a:schemeClr>
+                </a:solidFill>
+                <a:sym typeface="Wingdings" panose="05000000000000000000" pitchFamily="2" charset="2"/>
+              </a:rPr>
+              <a:t>end application…</a:t>
+            </a:r>
+          </a:p>
+          <a:p>
+            <a:pPr algn="ctr"/>
+            <a:endParaRPr lang="en-US" sz="3200" dirty="0">
               <a:solidFill>
                 <a:schemeClr val="bg1">
                   <a:lumMod val="65000"/>
                 </a:schemeClr>
               </a:solidFill>
+              <a:sym typeface="Wingdings" panose="05000000000000000000" pitchFamily="2" charset="2"/>
             </a:endParaRPr>
           </a:p>
           <a:p>
-            <a:pPr marL="285750" indent="-285750">
-              <a:buFont typeface="Arial" panose="020B0604020202020204" pitchFamily="34" charset="0"/>
-              <a:buChar char="•"/>
-            </a:pPr>
+            <a:pPr algn="ctr"/>
+            <a:r>
+              <a:rPr lang="en-US" sz="3200" dirty="0">
+                <a:solidFill>
+                  <a:schemeClr val="bg1">
+                    <a:lumMod val="65000"/>
+                  </a:schemeClr>
+                </a:solidFill>
+                <a:sym typeface="Wingdings" panose="05000000000000000000" pitchFamily="2" charset="2"/>
+              </a:rPr>
+              <a:t>Though soon I guess frontend will be correct way to write everywhere.</a:t>
+            </a:r>
             <a:endParaRPr lang="fi-FI" dirty="0">
               <a:solidFill>
                 <a:schemeClr val="tx1"/>

--- a/WhatToDoInFrontBackAndDB_usability_performance_security/What to check where in full-stack.pptx
+++ b/WhatToDoInFrontBackAndDB_usability_performance_security/What to check where in full-stack.pptx
@@ -4578,7 +4578,23 @@
                   <a:schemeClr val="tx1"/>
                 </a:solidFill>
               </a:rPr>
-              <a:t>: just “200=ok” or “400=prob” without revealing any internal structures. And for unauthorized or broken requests just: DROP, which means stop handling the request, no response to the client. Good when testing with fake data over and </a:t>
+              <a:t>: just “200=ok” or “400=prob” without revealing any internal structures. And for unauthorized or broken requests just: DROP, which means stop handling the request, no response to the client. Good when testing (with fake data and </a:t>
+            </a:r>
+            <a:r>
+              <a:rPr lang="en-US">
+                <a:solidFill>
+                  <a:schemeClr val="tx1"/>
+                </a:solidFill>
+              </a:rPr>
+              <a:t>test environment) is </a:t>
+            </a:r>
+            <a:r>
+              <a:rPr lang="en-US" dirty="0">
+                <a:solidFill>
+                  <a:schemeClr val="tx1"/>
+                </a:solidFill>
+              </a:rPr>
+              <a:t>over and </a:t>
             </a:r>
             <a:r>
               <a:rPr lang="en-US" b="1" dirty="0">
@@ -5166,21 +5182,8 @@
                   <a:schemeClr val="tx1"/>
                 </a:solidFill>
               </a:rPr>
-              <a:t>Checks of many kind. Basically still re-checking everything, although here usually pre-defined in the </a:t>
-            </a:r>
-            <a:r>
-              <a:rPr lang="en-US">
-                <a:solidFill>
-                  <a:schemeClr val="tx1"/>
-                </a:solidFill>
-              </a:rPr>
-              <a:t>DDL definitions.</a:t>
-            </a:r>
-            <a:endParaRPr lang="en-US" dirty="0">
-              <a:solidFill>
-                <a:schemeClr val="tx1"/>
-              </a:solidFill>
-            </a:endParaRPr>
+              <a:t>Checks of many kind. Basically still re-checking everything, although here usually pre-defined in the DDL definitions.</a:t>
+            </a:r>
           </a:p>
           <a:p>
             <a:pPr marL="285750" indent="-285750">
@@ -5193,7 +5196,7 @@
                   <a:schemeClr val="tx1"/>
                 </a:solidFill>
               </a:rPr>
-              <a:t>PKs, UNIQUEs, NOT NULLs, FKs, CHECK conditions, TRIGGERs</a:t>
+              <a:t>PKs, UNIQUEs, NOT NULLs, FKs, CHECK conditions, DOMAINs, TRIGGERs, STORED PROCEDURES/FUNCTIONS</a:t>
             </a:r>
           </a:p>
           <a:p>
@@ -5316,7 +5319,7 @@
                   <a:srgbClr val="FF0000"/>
                 </a:solidFill>
               </a:rPr>
-              <a:t>RDBMS is really powerful. But do not jam it with problems that can be detected without database. </a:t>
+              <a:t>RDBMS is really powerful. But do not jam it with problems that can be detected without the database. </a:t>
             </a:r>
             <a:endParaRPr lang="en-US" dirty="0">
               <a:solidFill>

--- a/WhatToDoInFrontBackAndDB_usability_performance_security/What to check where in full-stack.pptx
+++ b/WhatToDoInFrontBackAndDB_usability_performance_security/What to check where in full-stack.pptx
@@ -267,7 +267,7 @@
           <a:p>
             <a:fld id="{96965028-2F9E-4787-8FE0-280D7A46F03C}" type="datetimeFigureOut">
               <a:rPr lang="fi-FI" smtClean="0"/>
-              <a:t>18.3.2021</a:t>
+              <a:t>11.10.2021</a:t>
             </a:fld>
             <a:endParaRPr lang="fi-FI"/>
           </a:p>
@@ -467,7 +467,7 @@
           <a:p>
             <a:fld id="{96965028-2F9E-4787-8FE0-280D7A46F03C}" type="datetimeFigureOut">
               <a:rPr lang="fi-FI" smtClean="0"/>
-              <a:t>18.3.2021</a:t>
+              <a:t>11.10.2021</a:t>
             </a:fld>
             <a:endParaRPr lang="fi-FI"/>
           </a:p>
@@ -677,7 +677,7 @@
           <a:p>
             <a:fld id="{96965028-2F9E-4787-8FE0-280D7A46F03C}" type="datetimeFigureOut">
               <a:rPr lang="fi-FI" smtClean="0"/>
-              <a:t>18.3.2021</a:t>
+              <a:t>11.10.2021</a:t>
             </a:fld>
             <a:endParaRPr lang="fi-FI"/>
           </a:p>
@@ -877,7 +877,7 @@
           <a:p>
             <a:fld id="{96965028-2F9E-4787-8FE0-280D7A46F03C}" type="datetimeFigureOut">
               <a:rPr lang="fi-FI" smtClean="0"/>
-              <a:t>18.3.2021</a:t>
+              <a:t>11.10.2021</a:t>
             </a:fld>
             <a:endParaRPr lang="fi-FI"/>
           </a:p>
@@ -1153,7 +1153,7 @@
           <a:p>
             <a:fld id="{96965028-2F9E-4787-8FE0-280D7A46F03C}" type="datetimeFigureOut">
               <a:rPr lang="fi-FI" smtClean="0"/>
-              <a:t>18.3.2021</a:t>
+              <a:t>11.10.2021</a:t>
             </a:fld>
             <a:endParaRPr lang="fi-FI"/>
           </a:p>
@@ -1421,7 +1421,7 @@
           <a:p>
             <a:fld id="{96965028-2F9E-4787-8FE0-280D7A46F03C}" type="datetimeFigureOut">
               <a:rPr lang="fi-FI" smtClean="0"/>
-              <a:t>18.3.2021</a:t>
+              <a:t>11.10.2021</a:t>
             </a:fld>
             <a:endParaRPr lang="fi-FI"/>
           </a:p>
@@ -1836,7 +1836,7 @@
           <a:p>
             <a:fld id="{96965028-2F9E-4787-8FE0-280D7A46F03C}" type="datetimeFigureOut">
               <a:rPr lang="fi-FI" smtClean="0"/>
-              <a:t>18.3.2021</a:t>
+              <a:t>11.10.2021</a:t>
             </a:fld>
             <a:endParaRPr lang="fi-FI"/>
           </a:p>
@@ -1978,7 +1978,7 @@
           <a:p>
             <a:fld id="{96965028-2F9E-4787-8FE0-280D7A46F03C}" type="datetimeFigureOut">
               <a:rPr lang="fi-FI" smtClean="0"/>
-              <a:t>18.3.2021</a:t>
+              <a:t>11.10.2021</a:t>
             </a:fld>
             <a:endParaRPr lang="fi-FI"/>
           </a:p>
@@ -2091,7 +2091,7 @@
           <a:p>
             <a:fld id="{96965028-2F9E-4787-8FE0-280D7A46F03C}" type="datetimeFigureOut">
               <a:rPr lang="fi-FI" smtClean="0"/>
-              <a:t>18.3.2021</a:t>
+              <a:t>11.10.2021</a:t>
             </a:fld>
             <a:endParaRPr lang="fi-FI"/>
           </a:p>
@@ -2404,7 +2404,7 @@
           <a:p>
             <a:fld id="{96965028-2F9E-4787-8FE0-280D7A46F03C}" type="datetimeFigureOut">
               <a:rPr lang="fi-FI" smtClean="0"/>
-              <a:t>18.3.2021</a:t>
+              <a:t>11.10.2021</a:t>
             </a:fld>
             <a:endParaRPr lang="fi-FI"/>
           </a:p>
@@ -2693,7 +2693,7 @@
           <a:p>
             <a:fld id="{96965028-2F9E-4787-8FE0-280D7A46F03C}" type="datetimeFigureOut">
               <a:rPr lang="fi-FI" smtClean="0"/>
-              <a:t>18.3.2021</a:t>
+              <a:t>11.10.2021</a:t>
             </a:fld>
             <a:endParaRPr lang="fi-FI"/>
           </a:p>
@@ -2936,7 +2936,7 @@
           <a:p>
             <a:fld id="{96965028-2F9E-4787-8FE0-280D7A46F03C}" type="datetimeFigureOut">
               <a:rPr lang="fi-FI" smtClean="0"/>
-              <a:t>18.3.2021</a:t>
+              <a:t>11.10.2021</a:t>
             </a:fld>
             <a:endParaRPr lang="fi-FI"/>
           </a:p>
@@ -3443,7 +3443,7 @@
           <a:p>
             <a:r>
               <a:rPr lang="en-US" dirty="0"/>
-              <a:t>Version 2021-03-18</a:t>
+              <a:t>Thought-opener,      Version 2021-03-18</a:t>
             </a:r>
             <a:endParaRPr lang="fi-FI" dirty="0"/>
           </a:p>
@@ -4416,7 +4416,23 @@
                   <a:schemeClr val="tx1"/>
                 </a:solidFill>
               </a:rPr>
-              <a:t>Though often/mostly we only have one instance of the backend (then would be performance bottleneck)</a:t>
+              <a:t>Though often/mostly we only have one instance of the backend (then </a:t>
+            </a:r>
+            <a:r>
+              <a:rPr lang="en-US" u="sng" dirty="0">
+                <a:solidFill>
+                  <a:schemeClr val="tx1"/>
+                </a:solidFill>
+              </a:rPr>
+              <a:t>might be</a:t>
+            </a:r>
+            <a:r>
+              <a:rPr lang="en-US" dirty="0">
+                <a:solidFill>
+                  <a:schemeClr val="tx1"/>
+                </a:solidFill>
+              </a:rPr>
+              <a:t> a performance bottleneck)</a:t>
             </a:r>
           </a:p>
           <a:p>
@@ -4476,7 +4492,23 @@
                   <a:schemeClr val="tx1"/>
                 </a:solidFill>
               </a:rPr>
-              <a:t>SECURITY and PERFORMANCE</a:t>
+              <a:t>SECURITY </a:t>
+            </a:r>
+            <a:r>
+              <a:rPr lang="en-US" u="sng" dirty="0">
+                <a:solidFill>
+                  <a:schemeClr val="tx1"/>
+                </a:solidFill>
+              </a:rPr>
+              <a:t>and</a:t>
+            </a:r>
+            <a:r>
+              <a:rPr lang="en-US" dirty="0">
+                <a:solidFill>
+                  <a:schemeClr val="tx1"/>
+                </a:solidFill>
+              </a:rPr>
+              <a:t> PERFORMANCE</a:t>
             </a:r>
           </a:p>
           <a:p>
@@ -4578,23 +4610,7 @@
                   <a:schemeClr val="tx1"/>
                 </a:solidFill>
               </a:rPr>
-              <a:t>: just “200=ok” or “400=prob” without revealing any internal structures. And for unauthorized or broken requests just: DROP, which means stop handling the request, no response to the client. Good when testing (with fake data and </a:t>
-            </a:r>
-            <a:r>
-              <a:rPr lang="en-US">
-                <a:solidFill>
-                  <a:schemeClr val="tx1"/>
-                </a:solidFill>
-              </a:rPr>
-              <a:t>test environment) is </a:t>
-            </a:r>
-            <a:r>
-              <a:rPr lang="en-US" dirty="0">
-                <a:solidFill>
-                  <a:schemeClr val="tx1"/>
-                </a:solidFill>
-              </a:rPr>
-              <a:t>over and </a:t>
+              <a:t>: just “200=ok” or “400=prob” without revealing any internal structures. And for unauthorized or broken requests just: DROP, which means stop handling the request, no response to the client. Good when testing (with fake data and test environment) is over and </a:t>
             </a:r>
             <a:r>
               <a:rPr lang="en-US" b="1" dirty="0">
@@ -4902,7 +4918,23 @@
                   <a:schemeClr val="tx1"/>
                 </a:solidFill>
               </a:rPr>
-              <a:t>We use SSH tunnel here for encryption/protection</a:t>
+              <a:t>We use SSH tunnel/</a:t>
+            </a:r>
+            <a:r>
+              <a:rPr lang="en-US" sz="3200" dirty="0" err="1">
+                <a:solidFill>
+                  <a:schemeClr val="tx1"/>
+                </a:solidFill>
+              </a:rPr>
+              <a:t>portforwarding</a:t>
+            </a:r>
+            <a:r>
+              <a:rPr lang="en-US" sz="3200" dirty="0">
+                <a:solidFill>
+                  <a:schemeClr val="tx1"/>
+                </a:solidFill>
+              </a:rPr>
+              <a:t> here for encryption/protection and decoupling</a:t>
             </a:r>
           </a:p>
           <a:p>
@@ -5314,12 +5346,36 @@
               <a:buChar char="•"/>
             </a:pPr>
             <a:r>
+              <a:rPr lang="en-US" b="1" dirty="0" err="1">
+                <a:solidFill>
+                  <a:srgbClr val="FF0000"/>
+                </a:solidFill>
+              </a:rPr>
+              <a:t>RDBMSes</a:t>
+            </a:r>
+            <a:r>
               <a:rPr lang="en-US" b="1" dirty="0">
                 <a:solidFill>
                   <a:srgbClr val="FF0000"/>
                 </a:solidFill>
               </a:rPr>
-              <a:t>RDBMS is really powerful. But do not jam it with problems that can be detected without the database. </a:t>
+              <a:t> are really powerful. But do not </a:t>
+            </a:r>
+            <a:r>
+              <a:rPr lang="en-US" b="1">
+                <a:solidFill>
+                  <a:srgbClr val="FF0000"/>
+                </a:solidFill>
+              </a:rPr>
+              <a:t>jam DBMS </a:t>
+            </a:r>
+            <a:r>
+              <a:rPr lang="en-US" b="1" dirty="0">
+                <a:solidFill>
+                  <a:srgbClr val="FF0000"/>
+                </a:solidFill>
+              </a:rPr>
+              <a:t>with problems that can be detected without the database. </a:t>
             </a:r>
             <a:endParaRPr lang="en-US" dirty="0">
               <a:solidFill>

--- a/WhatToDoInFrontBackAndDB_usability_performance_security/What to check where in full-stack.pptx
+++ b/WhatToDoInFrontBackAndDB_usability_performance_security/What to check where in full-stack.pptx
@@ -267,7 +267,7 @@
           <a:p>
             <a:fld id="{96965028-2F9E-4787-8FE0-280D7A46F03C}" type="datetimeFigureOut">
               <a:rPr lang="fi-FI" smtClean="0"/>
-              <a:t>11.10.2021</a:t>
+              <a:t>22.9.2022</a:t>
             </a:fld>
             <a:endParaRPr lang="fi-FI"/>
           </a:p>
@@ -467,7 +467,7 @@
           <a:p>
             <a:fld id="{96965028-2F9E-4787-8FE0-280D7A46F03C}" type="datetimeFigureOut">
               <a:rPr lang="fi-FI" smtClean="0"/>
-              <a:t>11.10.2021</a:t>
+              <a:t>22.9.2022</a:t>
             </a:fld>
             <a:endParaRPr lang="fi-FI"/>
           </a:p>
@@ -677,7 +677,7 @@
           <a:p>
             <a:fld id="{96965028-2F9E-4787-8FE0-280D7A46F03C}" type="datetimeFigureOut">
               <a:rPr lang="fi-FI" smtClean="0"/>
-              <a:t>11.10.2021</a:t>
+              <a:t>22.9.2022</a:t>
             </a:fld>
             <a:endParaRPr lang="fi-FI"/>
           </a:p>
@@ -877,7 +877,7 @@
           <a:p>
             <a:fld id="{96965028-2F9E-4787-8FE0-280D7A46F03C}" type="datetimeFigureOut">
               <a:rPr lang="fi-FI" smtClean="0"/>
-              <a:t>11.10.2021</a:t>
+              <a:t>22.9.2022</a:t>
             </a:fld>
             <a:endParaRPr lang="fi-FI"/>
           </a:p>
@@ -1153,7 +1153,7 @@
           <a:p>
             <a:fld id="{96965028-2F9E-4787-8FE0-280D7A46F03C}" type="datetimeFigureOut">
               <a:rPr lang="fi-FI" smtClean="0"/>
-              <a:t>11.10.2021</a:t>
+              <a:t>22.9.2022</a:t>
             </a:fld>
             <a:endParaRPr lang="fi-FI"/>
           </a:p>
@@ -1421,7 +1421,7 @@
           <a:p>
             <a:fld id="{96965028-2F9E-4787-8FE0-280D7A46F03C}" type="datetimeFigureOut">
               <a:rPr lang="fi-FI" smtClean="0"/>
-              <a:t>11.10.2021</a:t>
+              <a:t>22.9.2022</a:t>
             </a:fld>
             <a:endParaRPr lang="fi-FI"/>
           </a:p>
@@ -1836,7 +1836,7 @@
           <a:p>
             <a:fld id="{96965028-2F9E-4787-8FE0-280D7A46F03C}" type="datetimeFigureOut">
               <a:rPr lang="fi-FI" smtClean="0"/>
-              <a:t>11.10.2021</a:t>
+              <a:t>22.9.2022</a:t>
             </a:fld>
             <a:endParaRPr lang="fi-FI"/>
           </a:p>
@@ -1978,7 +1978,7 @@
           <a:p>
             <a:fld id="{96965028-2F9E-4787-8FE0-280D7A46F03C}" type="datetimeFigureOut">
               <a:rPr lang="fi-FI" smtClean="0"/>
-              <a:t>11.10.2021</a:t>
+              <a:t>22.9.2022</a:t>
             </a:fld>
             <a:endParaRPr lang="fi-FI"/>
           </a:p>
@@ -2091,7 +2091,7 @@
           <a:p>
             <a:fld id="{96965028-2F9E-4787-8FE0-280D7A46F03C}" type="datetimeFigureOut">
               <a:rPr lang="fi-FI" smtClean="0"/>
-              <a:t>11.10.2021</a:t>
+              <a:t>22.9.2022</a:t>
             </a:fld>
             <a:endParaRPr lang="fi-FI"/>
           </a:p>
@@ -2404,7 +2404,7 @@
           <a:p>
             <a:fld id="{96965028-2F9E-4787-8FE0-280D7A46F03C}" type="datetimeFigureOut">
               <a:rPr lang="fi-FI" smtClean="0"/>
-              <a:t>11.10.2021</a:t>
+              <a:t>22.9.2022</a:t>
             </a:fld>
             <a:endParaRPr lang="fi-FI"/>
           </a:p>
@@ -2693,7 +2693,7 @@
           <a:p>
             <a:fld id="{96965028-2F9E-4787-8FE0-280D7A46F03C}" type="datetimeFigureOut">
               <a:rPr lang="fi-FI" smtClean="0"/>
-              <a:t>11.10.2021</a:t>
+              <a:t>22.9.2022</a:t>
             </a:fld>
             <a:endParaRPr lang="fi-FI"/>
           </a:p>
@@ -2936,7 +2936,7 @@
           <a:p>
             <a:fld id="{96965028-2F9E-4787-8FE0-280D7A46F03C}" type="datetimeFigureOut">
               <a:rPr lang="fi-FI" smtClean="0"/>
-              <a:t>11.10.2021</a:t>
+              <a:t>22.9.2022</a:t>
             </a:fld>
             <a:endParaRPr lang="fi-FI"/>
           </a:p>
@@ -3443,7 +3443,7 @@
           <a:p>
             <a:r>
               <a:rPr lang="en-US" dirty="0"/>
-              <a:t>Thought-opener,      Version 2021-03-18</a:t>
+              <a:t>Thought-opener,      Version 2022-09-22</a:t>
             </a:r>
             <a:endParaRPr lang="fi-FI" dirty="0"/>
           </a:p>
@@ -3478,7 +3478,7 @@
           <a:p>
             <a:r>
               <a:rPr lang="en-US" dirty="0"/>
-              <a:t>©2019 Juhani Välimäki</a:t>
+              <a:t>©2022 Juhani Välimäki</a:t>
             </a:r>
             <a:endParaRPr lang="fi-FI" dirty="0"/>
           </a:p>
@@ -3968,7 +3968,7 @@
           <a:p>
             <a:r>
               <a:rPr lang="en-US" dirty="0"/>
-              <a:t>©2019 Juhani Välimäki</a:t>
+              <a:t>©2022 Juhani Välimäki</a:t>
             </a:r>
             <a:endParaRPr lang="fi-FI" dirty="0"/>
           </a:p>
@@ -4217,7 +4217,7 @@
           <a:p>
             <a:r>
               <a:rPr lang="en-US" dirty="0"/>
-              <a:t>©2019 Juhani Välimäki</a:t>
+              <a:t>©2022 Juhani Välimäki</a:t>
             </a:r>
             <a:endParaRPr lang="fi-FI" dirty="0"/>
           </a:p>
@@ -4358,7 +4358,7 @@
                   </a:schemeClr>
                 </a:solidFill>
               </a:rPr>
-              <a:t>((((( or e.g. GraphQL backend )))))</a:t>
+              <a:t>((((( or e.g. GraphQL backend, all this applies still )))))</a:t>
             </a:r>
           </a:p>
           <a:p>
@@ -4735,7 +4735,7 @@
           <a:p>
             <a:r>
               <a:rPr lang="en-US" dirty="0"/>
-              <a:t>©2019 Juhani Välimäki</a:t>
+              <a:t>©2022 Juhani Välimäki</a:t>
             </a:r>
             <a:endParaRPr lang="fi-FI" dirty="0"/>
           </a:p>
@@ -4979,7 +4979,7 @@
           <a:p>
             <a:r>
               <a:rPr lang="en-US" dirty="0"/>
-              <a:t>©2019 Juhani Välimäki</a:t>
+              <a:t>©2022 Juhani Välimäki</a:t>
             </a:r>
             <a:endParaRPr lang="fi-FI" dirty="0"/>
           </a:p>
@@ -5425,7 +5425,7 @@
           <a:p>
             <a:r>
               <a:rPr lang="en-US" dirty="0"/>
-              <a:t>©2019 Juhani Välimäki</a:t>
+              <a:t>©2022 Juhani Välimäki</a:t>
             </a:r>
             <a:endParaRPr lang="fi-FI" dirty="0"/>
           </a:p>
@@ -5683,7 +5683,7 @@
           <a:p>
             <a:r>
               <a:rPr lang="en-US" dirty="0"/>
-              <a:t>©2019 Juhani Välimäki</a:t>
+              <a:t>©2022 Juhani Välimäki</a:t>
             </a:r>
             <a:endParaRPr lang="fi-FI" dirty="0"/>
           </a:p>
